--- a/mockup/OUTDOORROMAGNA.pptx
+++ b/mockup/OUTDOORROMAGNA.pptx
@@ -6616,8 +6616,8 @@
         </p:blipFill>
         <p:spPr>
           <a:xfrm>
-            <a:off x="9164923" y="0"/>
-            <a:ext cx="3086100" cy="6858000"/>
+            <a:off x="9164923" y="-1"/>
+            <a:ext cx="3086100" cy="6882165"/>
           </a:xfrm>
           <a:prstGeom prst="rect">
             <a:avLst/>
@@ -6661,10 +6661,10 @@
       </p:pic>
       <p:pic>
         <p:nvPicPr>
-          <p:cNvPr id="8" name="Segnaposto contenuto 7" descr="Immagine che contiene testo, schermata, Carattere, diagramma&#10;&#10;Descrizione generata automaticamente">
-            <a:extLst>
-              <a:ext uri="{FF2B5EF4-FFF2-40B4-BE49-F238E27FC236}">
-                <a16:creationId xmlns:a16="http://schemas.microsoft.com/office/drawing/2014/main" id="{0428FE2F-E891-DA22-5C4F-1A441D096402}"/>
+          <p:cNvPr id="7" name="Segnaposto contenuto 6" descr="Immagine che contiene testo, schermata, Carattere, diagramma&#10;&#10;Descrizione generata automaticamente">
+            <a:extLst>
+              <a:ext uri="{FF2B5EF4-FFF2-40B4-BE49-F238E27FC236}">
+                <a16:creationId xmlns:a16="http://schemas.microsoft.com/office/drawing/2014/main" id="{9A4833E0-73FC-A687-7F98-6E5756454498}"/>
               </a:ext>
             </a:extLst>
           </p:cNvPr>
@@ -6683,13 +6683,13 @@
               </a:ext>
             </a:extLst>
           </a:blip>
-          <a:srcRect b="3071"/>
+          <a:srcRect b="3335"/>
           <a:stretch/>
         </p:blipFill>
         <p:spPr>
           <a:xfrm>
             <a:off x="6068325" y="0"/>
-            <a:ext cx="3096598" cy="6858000"/>
+            <a:ext cx="3098910" cy="6858000"/>
           </a:xfrm>
         </p:spPr>
       </p:pic>

--- a/mockup/OUTDOORROMAGNA.pptx
+++ b/mockup/OUTDOORROMAGNA.pptx
@@ -5238,7 +5238,7 @@
         </p:spPr>
         <p:txBody>
           <a:bodyPr>
-            <a:normAutofit fontScale="92500" lnSpcReduction="10000"/>
+            <a:normAutofit fontScale="85000" lnSpcReduction="20000"/>
           </a:bodyPr>
           <a:lstStyle/>
           <a:p>
@@ -5270,7 +5270,7 @@
             </a:r>
             <a:r>
               <a:rPr lang="it-IT" dirty="0"/>
-              <a:t>: per la creazione e la gestione del database in locale</a:t>
+              <a:t>: per gestione del database in locale</a:t>
             </a:r>
           </a:p>
           <a:p>
@@ -5284,7 +5284,7 @@
             </a:r>
             <a:r>
               <a:rPr lang="it-IT" dirty="0"/>
-              <a:t>: per salvare le impostazioni</a:t>
+              <a:t>: per salvare le impostazioni utente</a:t>
             </a:r>
           </a:p>
           <a:p>
@@ -5298,7 +5298,7 @@
             </a:r>
             <a:r>
               <a:rPr lang="it-IT" dirty="0"/>
-              <a:t>: utilizzo della camera per l'inserimento della foto profilo</a:t>
+              <a:t>: per l'inserimento della foto profilo</a:t>
             </a:r>
           </a:p>
           <a:p>
@@ -5358,11 +5358,29 @@
               <a:rPr lang="it-IT" dirty="0"/>
               <a:t>, Coil</a:t>
             </a:r>
-            <a:r>
-              <a:rPr lang="it-IT"/>
-              <a:t>, </a:t>
-            </a:r>
-            <a:endParaRPr lang="it-IT" dirty="0"/>
+          </a:p>
+          <a:p>
+            <a:pPr marL="457200" indent="-457200" algn="just">
+              <a:buFont typeface="Wingdings" panose="05000000000000000000" pitchFamily="2" charset="2"/>
+              <a:buChar char="Ø"/>
+            </a:pPr>
+            <a:r>
+              <a:rPr lang="it-IT" b="1" dirty="0" err="1"/>
+              <a:t>Figma</a:t>
+            </a:r>
+            <a:r>
+              <a:rPr lang="it-IT" b="1" dirty="0"/>
+              <a:t>: </a:t>
+            </a:r>
+            <a:r>
+              <a:rPr lang="it-IT" dirty="0"/>
+              <a:t>per la creazione dei </a:t>
+            </a:r>
+            <a:r>
+              <a:rPr lang="it-IT" dirty="0" err="1"/>
+              <a:t>mockup</a:t>
+            </a:r>
+            <a:endParaRPr lang="it-IT" b="1" dirty="0"/>
           </a:p>
         </p:txBody>
       </p:sp>

--- a/mockup/OUTDOORROMAGNA.pptx
+++ b/mockup/OUTDOORROMAGNA.pptx
@@ -6476,10 +6476,10 @@
       </p:sp>
       <p:pic>
         <p:nvPicPr>
-          <p:cNvPr id="13" name="Immagine 12">
-            <a:extLst>
-              <a:ext uri="{FF2B5EF4-FFF2-40B4-BE49-F238E27FC236}">
-                <a16:creationId xmlns:a16="http://schemas.microsoft.com/office/drawing/2014/main" id="{16DE0B76-3DA3-C254-6375-4228514017C8}"/>
+          <p:cNvPr id="15" name="Immagine 14">
+            <a:extLst>
+              <a:ext uri="{FF2B5EF4-FFF2-40B4-BE49-F238E27FC236}">
+                <a16:creationId xmlns:a16="http://schemas.microsoft.com/office/drawing/2014/main" id="{3978383F-6E99-3E42-1A43-B2B326EE450F}"/>
               </a:ext>
             </a:extLst>
           </p:cNvPr>
@@ -6490,41 +6490,6 @@
         </p:nvPicPr>
         <p:blipFill rotWithShape="1">
           <a:blip r:embed="rId3">
-            <a:extLst>
-              <a:ext uri="{28A0092B-C50C-407E-A947-70E740481C1C}">
-                <a14:useLocalDpi xmlns:a14="http://schemas.microsoft.com/office/drawing/2010/main" val="0"/>
-              </a:ext>
-            </a:extLst>
-          </a:blip>
-          <a:srcRect b="2748"/>
-          <a:stretch/>
-        </p:blipFill>
-        <p:spPr>
-          <a:xfrm>
-            <a:off x="9105900" y="-3708"/>
-            <a:ext cx="3086100" cy="6861708"/>
-          </a:xfrm>
-          <a:prstGeom prst="rect">
-            <a:avLst/>
-          </a:prstGeom>
-        </p:spPr>
-      </p:pic>
-      <p:pic>
-        <p:nvPicPr>
-          <p:cNvPr id="15" name="Immagine 14">
-            <a:extLst>
-              <a:ext uri="{FF2B5EF4-FFF2-40B4-BE49-F238E27FC236}">
-                <a16:creationId xmlns:a16="http://schemas.microsoft.com/office/drawing/2014/main" id="{3978383F-6E99-3E42-1A43-B2B326EE450F}"/>
-              </a:ext>
-            </a:extLst>
-          </p:cNvPr>
-          <p:cNvPicPr>
-            <a:picLocks noChangeAspect="1"/>
-          </p:cNvPicPr>
-          <p:nvPr/>
-        </p:nvPicPr>
-        <p:blipFill rotWithShape="1">
-          <a:blip r:embed="rId4">
             <a:extLst>
               <a:ext uri="{28A0092B-C50C-407E-A947-70E740481C1C}">
                 <a14:useLocalDpi xmlns:a14="http://schemas.microsoft.com/office/drawing/2010/main" val="0"/>
@@ -6685,8 +6650,8 @@
         </p:blipFill>
         <p:spPr>
           <a:xfrm>
-            <a:off x="9164923" y="-1"/>
-            <a:ext cx="3086100" cy="6882165"/>
+            <a:off x="9148277" y="-66261"/>
+            <a:ext cx="3102746" cy="6919286"/>
           </a:xfrm>
           <a:prstGeom prst="rect">
             <a:avLst/>
@@ -6728,40 +6693,31 @@
           </a:prstGeom>
         </p:spPr>
       </p:pic>
-      <p:pic>
-        <p:nvPicPr>
-          <p:cNvPr id="7" name="Segnaposto contenuto 6" descr="Immagine che contiene testo, schermata, Carattere, diagramma&#10;&#10;Descrizione generata automaticamente">
-            <a:extLst>
-              <a:ext uri="{FF2B5EF4-FFF2-40B4-BE49-F238E27FC236}">
-                <a16:creationId xmlns:a16="http://schemas.microsoft.com/office/drawing/2014/main" id="{9A4833E0-73FC-A687-7F98-6E5756454498}"/>
-              </a:ext>
-            </a:extLst>
-          </p:cNvPr>
-          <p:cNvPicPr>
-            <a:picLocks noGrp="1" noChangeAspect="1"/>
-          </p:cNvPicPr>
+      <p:sp>
+        <p:nvSpPr>
+          <p:cNvPr id="12" name="Segnaposto contenuto 11">
+            <a:extLst>
+              <a:ext uri="{FF2B5EF4-FFF2-40B4-BE49-F238E27FC236}">
+                <a16:creationId xmlns:a16="http://schemas.microsoft.com/office/drawing/2014/main" id="{C1A467E6-525F-8DBB-6FD1-320539434028}"/>
+              </a:ext>
+            </a:extLst>
+          </p:cNvPr>
+          <p:cNvSpPr>
+            <a:spLocks noGrp="1"/>
+          </p:cNvSpPr>
           <p:nvPr>
             <p:ph idx="1"/>
           </p:nvPr>
-        </p:nvPicPr>
-        <p:blipFill rotWithShape="1">
-          <a:blip r:embed="rId4">
-            <a:extLst>
-              <a:ext uri="{28A0092B-C50C-407E-A947-70E740481C1C}">
-                <a14:useLocalDpi xmlns:a14="http://schemas.microsoft.com/office/drawing/2010/main" val="0"/>
-              </a:ext>
-            </a:extLst>
-          </a:blip>
-          <a:srcRect b="3335"/>
-          <a:stretch/>
-        </p:blipFill>
-        <p:spPr>
-          <a:xfrm>
-            <a:off x="6068325" y="0"/>
-            <a:ext cx="3098910" cy="6858000"/>
-          </a:xfrm>
-        </p:spPr>
-      </p:pic>
+        </p:nvSpPr>
+        <p:spPr/>
+        <p:txBody>
+          <a:bodyPr/>
+          <a:lstStyle/>
+          <a:p>
+            <a:endParaRPr lang="it-IT"/>
+          </a:p>
+        </p:txBody>
+      </p:sp>
     </p:spTree>
     <p:extLst>
       <p:ext uri="{BB962C8B-B14F-4D97-AF65-F5344CB8AC3E}">

--- a/mockup/OUTDOORROMAGNA.pptx
+++ b/mockup/OUTDOORROMAGNA.pptx
@@ -213,7 +213,7 @@
             <a:pPr rtl="0"/>
             <a:fld id="{E7626282-83BE-4B14-AA1D-E9A716F8FEB8}" type="datetime1">
               <a:rPr lang="it-IT" smtClean="0"/>
-              <a:t>27/05/2024</a:t>
+              <a:t>28/05/2024</a:t>
             </a:fld>
             <a:endParaRPr lang="en-US" dirty="0"/>
           </a:p>
@@ -383,7 +383,7 @@
             <a:pPr rtl="0"/>
             <a:fld id="{823FCBA3-AE69-44D9-84A9-153F3F9E2987}" type="datetime1">
               <a:rPr lang="it-IT" smtClean="0"/>
-              <a:t>27/05/2024</a:t>
+              <a:t>28/05/2024</a:t>
             </a:fld>
             <a:endParaRPr lang="en-US"/>
           </a:p>
@@ -903,7 +903,7 @@
             <a:pPr rtl="0"/>
             <a:fld id="{3F2AEA12-A884-495F-8D96-E2791E451670}" type="datetime1">
               <a:rPr lang="it-IT" smtClean="0"/>
-              <a:t>27/05/2024</a:t>
+              <a:t>28/05/2024</a:t>
             </a:fld>
             <a:endParaRPr lang="en-US" dirty="0"/>
           </a:p>
@@ -1099,7 +1099,7 @@
             <a:pPr rtl="0"/>
             <a:fld id="{EB574AD5-D417-4FAA-8969-2C3D2D990862}" type="datetime1">
               <a:rPr lang="it-IT" smtClean="0"/>
-              <a:t>27/05/2024</a:t>
+              <a:t>28/05/2024</a:t>
             </a:fld>
             <a:endParaRPr lang="en-US" dirty="0"/>
           </a:p>
@@ -1345,7 +1345,7 @@
             <a:pPr rtl="0"/>
             <a:fld id="{53234F22-96F1-43C5-9A84-5011A5FFAE38}" type="datetime1">
               <a:rPr lang="it-IT" smtClean="0"/>
-              <a:t>27/05/2024</a:t>
+              <a:t>28/05/2024</a:t>
             </a:fld>
             <a:endParaRPr lang="en-US" dirty="0"/>
           </a:p>
@@ -1541,7 +1541,7 @@
             <a:pPr rtl="0"/>
             <a:fld id="{925069C4-336E-40F0-85A2-25D6F0A25D32}" type="datetime1">
               <a:rPr lang="it-IT" smtClean="0"/>
-              <a:t>27/05/2024</a:t>
+              <a:t>28/05/2024</a:t>
             </a:fld>
             <a:endParaRPr lang="en-US" dirty="0"/>
           </a:p>
@@ -1918,7 +1918,7 @@
             <a:pPr rtl="0"/>
             <a:fld id="{F0F1B965-D21F-4083-9FDC-4C0868AFCE6A}" type="datetime1">
               <a:rPr lang="it-IT" smtClean="0"/>
-              <a:t>27/05/2024</a:t>
+              <a:t>28/05/2024</a:t>
             </a:fld>
             <a:endParaRPr lang="en-US" dirty="0"/>
           </a:p>
@@ -2181,7 +2181,7 @@
             <a:pPr rtl="0"/>
             <a:fld id="{D2F263AC-6BFA-4530-A45D-98F6CD76B995}" type="datetime1">
               <a:rPr lang="it-IT" smtClean="0"/>
-              <a:t>27/05/2024</a:t>
+              <a:t>28/05/2024</a:t>
             </a:fld>
             <a:endParaRPr lang="en-US" dirty="0"/>
           </a:p>
@@ -2586,7 +2586,7 @@
             <a:pPr rtl="0"/>
             <a:fld id="{285EEB9B-9A76-4838-83B5-EFB83BC3FC95}" type="datetime1">
               <a:rPr lang="it-IT" smtClean="0"/>
-              <a:t>27/05/2024</a:t>
+              <a:t>28/05/2024</a:t>
             </a:fld>
             <a:endParaRPr lang="en-US" dirty="0"/>
           </a:p>
@@ -2730,7 +2730,7 @@
             <a:pPr rtl="0"/>
             <a:fld id="{87788151-CB43-4FD7-A3FA-96D82E7273D6}" type="datetime1">
               <a:rPr lang="it-IT" smtClean="0"/>
-              <a:t>27/05/2024</a:t>
+              <a:t>28/05/2024</a:t>
             </a:fld>
             <a:endParaRPr lang="en-US" dirty="0"/>
           </a:p>
@@ -2890,7 +2890,7 @@
             <a:pPr rtl="0"/>
             <a:fld id="{0984158B-E18A-4760-AF0B-F8E1F54F95E6}" type="datetime1">
               <a:rPr lang="it-IT" smtClean="0"/>
-              <a:t>27/05/2024</a:t>
+              <a:t>28/05/2024</a:t>
             </a:fld>
             <a:endParaRPr lang="en-US" dirty="0"/>
           </a:p>
@@ -3223,7 +3223,7 @@
             <a:pPr rtl="0"/>
             <a:fld id="{4F4D0FD0-762A-4E00-B40D-E1022DE9149C}" type="datetime1">
               <a:rPr lang="it-IT" smtClean="0"/>
-              <a:t>27/05/2024</a:t>
+              <a:t>28/05/2024</a:t>
             </a:fld>
             <a:endParaRPr lang="en-US" dirty="0"/>
           </a:p>
@@ -3578,7 +3578,7 @@
             <a:pPr rtl="0"/>
             <a:fld id="{14666673-06EC-44D2-AEC3-E4C57BDDC5B7}" type="datetime1">
               <a:rPr lang="it-IT" smtClean="0"/>
-              <a:t>27/05/2024</a:t>
+              <a:t>28/05/2024</a:t>
             </a:fld>
             <a:endParaRPr lang="en-US" dirty="0"/>
           </a:p>
@@ -3842,7 +3842,7 @@
             <a:pPr rtl="0"/>
             <a:fld id="{F117DD88-DA0B-42BB-B7E2-325641850C3A}" type="datetime1">
               <a:rPr lang="it-IT" smtClean="0"/>
-              <a:t>27/05/2024</a:t>
+              <a:t>28/05/2024</a:t>
             </a:fld>
             <a:endParaRPr lang="en-US" dirty="0"/>
           </a:p>
@@ -6065,6 +6065,20 @@
           <a:prstGeom prst="rect">
             <a:avLst/>
           </a:prstGeom>
+          <a:ln w="38100" cap="sq">
+            <a:solidFill>
+              <a:srgbClr val="000000"/>
+            </a:solidFill>
+            <a:prstDash val="solid"/>
+            <a:miter lim="800000"/>
+          </a:ln>
+          <a:effectLst>
+            <a:outerShdw blurRad="50800" dist="38100" dir="2700000" algn="tl" rotWithShape="0">
+              <a:srgbClr val="000000">
+                <a:alpha val="43000"/>
+              </a:srgbClr>
+            </a:outerShdw>
+          </a:effectLst>
         </p:spPr>
       </p:pic>
       <p:pic>
@@ -6099,6 +6113,23 @@
             <a:off x="2933699" y="0"/>
             <a:ext cx="3088029" cy="6858000"/>
           </a:xfrm>
+          <a:prstGeom prst="rect">
+            <a:avLst/>
+          </a:prstGeom>
+          <a:ln w="38100" cap="sq">
+            <a:solidFill>
+              <a:srgbClr val="000000"/>
+            </a:solidFill>
+            <a:prstDash val="solid"/>
+            <a:miter lim="800000"/>
+          </a:ln>
+          <a:effectLst>
+            <a:outerShdw blurRad="50800" dist="38100" dir="2700000" algn="tl" rotWithShape="0">
+              <a:srgbClr val="000000">
+                <a:alpha val="43000"/>
+              </a:srgbClr>
+            </a:outerShdw>
+          </a:effectLst>
         </p:spPr>
       </p:pic>
       <p:pic>
@@ -6128,12 +6159,26 @@
         </p:blipFill>
         <p:spPr>
           <a:xfrm>
-            <a:off x="9105900" y="0"/>
+            <a:off x="9154028" y="0"/>
             <a:ext cx="3086100" cy="6858000"/>
           </a:xfrm>
           <a:prstGeom prst="rect">
             <a:avLst/>
           </a:prstGeom>
+          <a:ln w="38100" cap="sq">
+            <a:solidFill>
+              <a:srgbClr val="000000"/>
+            </a:solidFill>
+            <a:prstDash val="solid"/>
+            <a:miter lim="800000"/>
+          </a:ln>
+          <a:effectLst>
+            <a:outerShdw blurRad="50800" dist="38100" dir="2700000" algn="tl" rotWithShape="0">
+              <a:srgbClr val="000000">
+                <a:alpha val="43000"/>
+              </a:srgbClr>
+            </a:outerShdw>
+          </a:effectLst>
         </p:spPr>
       </p:pic>
     </p:spTree>
@@ -6263,12 +6308,26 @@
         </p:blipFill>
         <p:spPr>
           <a:xfrm>
-            <a:off x="6005447" y="0"/>
+            <a:off x="6019095" y="0"/>
             <a:ext cx="3086100" cy="6858000"/>
           </a:xfrm>
           <a:prstGeom prst="rect">
             <a:avLst/>
           </a:prstGeom>
+          <a:ln w="38100" cap="sq">
+            <a:solidFill>
+              <a:srgbClr val="000000"/>
+            </a:solidFill>
+            <a:prstDash val="solid"/>
+            <a:miter lim="800000"/>
+          </a:ln>
+          <a:effectLst>
+            <a:outerShdw blurRad="50800" dist="38100" dir="2700000" algn="tl" rotWithShape="0">
+              <a:srgbClr val="000000">
+                <a:alpha val="43000"/>
+              </a:srgbClr>
+            </a:outerShdw>
+          </a:effectLst>
         </p:spPr>
       </p:pic>
       <p:pic>
@@ -6298,12 +6357,26 @@
         </p:blipFill>
         <p:spPr>
           <a:xfrm>
-            <a:off x="2927562" y="0"/>
+            <a:off x="2900266" y="0"/>
             <a:ext cx="3086100" cy="6858000"/>
           </a:xfrm>
           <a:prstGeom prst="rect">
             <a:avLst/>
           </a:prstGeom>
+          <a:ln w="38100" cap="sq">
+            <a:solidFill>
+              <a:srgbClr val="000000"/>
+            </a:solidFill>
+            <a:prstDash val="solid"/>
+            <a:miter lim="800000"/>
+          </a:ln>
+          <a:effectLst>
+            <a:outerShdw blurRad="50800" dist="38100" dir="2700000" algn="tl" rotWithShape="0">
+              <a:srgbClr val="000000">
+                <a:alpha val="43000"/>
+              </a:srgbClr>
+            </a:outerShdw>
+          </a:effectLst>
         </p:spPr>
       </p:pic>
       <p:pic>
@@ -6335,9 +6408,26 @@
         </p:blipFill>
         <p:spPr>
           <a:xfrm>
-            <a:off x="9084436" y="0"/>
+            <a:off x="9111732" y="0"/>
             <a:ext cx="3107564" cy="6858000"/>
           </a:xfrm>
+          <a:prstGeom prst="rect">
+            <a:avLst/>
+          </a:prstGeom>
+          <a:ln w="38100" cap="sq">
+            <a:solidFill>
+              <a:srgbClr val="000000"/>
+            </a:solidFill>
+            <a:prstDash val="solid"/>
+            <a:miter lim="800000"/>
+          </a:ln>
+          <a:effectLst>
+            <a:outerShdw blurRad="50800" dist="38100" dir="2700000" algn="tl" rotWithShape="0">
+              <a:srgbClr val="000000">
+                <a:alpha val="43000"/>
+              </a:srgbClr>
+            </a:outerShdw>
+          </a:effectLst>
         </p:spPr>
       </p:pic>
     </p:spTree>
@@ -6399,9 +6489,26 @@
         </p:blipFill>
         <p:spPr>
           <a:xfrm>
-            <a:off x="3038008" y="-3708"/>
-            <a:ext cx="3028731" cy="6861708"/>
-          </a:xfrm>
+            <a:off x="3012227" y="0"/>
+            <a:ext cx="3028731" cy="6857999"/>
+          </a:xfrm>
+          <a:prstGeom prst="rect">
+            <a:avLst/>
+          </a:prstGeom>
+          <a:ln w="38100" cap="sq">
+            <a:solidFill>
+              <a:srgbClr val="000000"/>
+            </a:solidFill>
+            <a:prstDash val="solid"/>
+            <a:miter lim="800000"/>
+          </a:ln>
+          <a:effectLst>
+            <a:outerShdw blurRad="50800" dist="38100" dir="2700000" algn="tl" rotWithShape="0">
+              <a:srgbClr val="000000">
+                <a:alpha val="43000"/>
+              </a:srgbClr>
+            </a:outerShdw>
+          </a:effectLst>
         </p:spPr>
       </p:pic>
       <p:sp>
@@ -6507,6 +6614,70 @@
           <a:prstGeom prst="rect">
             <a:avLst/>
           </a:prstGeom>
+          <a:ln w="38100" cap="sq">
+            <a:solidFill>
+              <a:srgbClr val="000000"/>
+            </a:solidFill>
+            <a:prstDash val="solid"/>
+            <a:miter lim="800000"/>
+          </a:ln>
+          <a:effectLst>
+            <a:outerShdw blurRad="50800" dist="38100" dir="2700000" algn="tl" rotWithShape="0">
+              <a:srgbClr val="000000">
+                <a:alpha val="43000"/>
+              </a:srgbClr>
+            </a:outerShdw>
+          </a:effectLst>
+        </p:spPr>
+      </p:pic>
+      <p:pic>
+        <p:nvPicPr>
+          <p:cNvPr id="4" name="Immagine 3" descr="Immagine che contiene testo, schermata, software, Pagina Web&#10;&#10;Descrizione generata automaticamente">
+            <a:extLst>
+              <a:ext uri="{FF2B5EF4-FFF2-40B4-BE49-F238E27FC236}">
+                <a16:creationId xmlns:a16="http://schemas.microsoft.com/office/drawing/2014/main" id="{8DA9218E-B4E7-AB24-A920-EEE0270C8485}"/>
+              </a:ext>
+            </a:extLst>
+          </p:cNvPr>
+          <p:cNvPicPr>
+            <a:picLocks noChangeAspect="1"/>
+          </p:cNvPicPr>
+          <p:nvPr/>
+        </p:nvPicPr>
+        <p:blipFill>
+          <a:blip r:embed="rId4">
+            <a:extLst>
+              <a:ext uri="{28A0092B-C50C-407E-A947-70E740481C1C}">
+                <a14:useLocalDpi xmlns:a14="http://schemas.microsoft.com/office/drawing/2010/main" val="0"/>
+              </a:ext>
+            </a:extLst>
+          </a:blip>
+          <a:stretch>
+            <a:fillRect/>
+          </a:stretch>
+        </p:blipFill>
+        <p:spPr>
+          <a:xfrm>
+            <a:off x="9150491" y="4286"/>
+            <a:ext cx="3086100" cy="6853714"/>
+          </a:xfrm>
+          <a:prstGeom prst="rect">
+            <a:avLst/>
+          </a:prstGeom>
+          <a:ln w="38100" cap="sq">
+            <a:solidFill>
+              <a:srgbClr val="000000"/>
+            </a:solidFill>
+            <a:prstDash val="solid"/>
+            <a:miter lim="800000"/>
+          </a:ln>
+          <a:effectLst>
+            <a:outerShdw blurRad="50800" dist="38100" dir="2700000" algn="tl" rotWithShape="0">
+              <a:srgbClr val="000000">
+                <a:alpha val="43000"/>
+              </a:srgbClr>
+            </a:outerShdw>
+          </a:effectLst>
         </p:spPr>
       </p:pic>
     </p:spTree>
@@ -6650,12 +6821,26 @@
         </p:blipFill>
         <p:spPr>
           <a:xfrm>
-            <a:off x="9148277" y="-66261"/>
+            <a:off x="9100149" y="-66261"/>
             <a:ext cx="3102746" cy="6919286"/>
           </a:xfrm>
           <a:prstGeom prst="rect">
             <a:avLst/>
           </a:prstGeom>
+          <a:ln w="38100" cap="sq">
+            <a:solidFill>
+              <a:srgbClr val="000000"/>
+            </a:solidFill>
+            <a:prstDash val="solid"/>
+            <a:miter lim="800000"/>
+          </a:ln>
+          <a:effectLst>
+            <a:outerShdw blurRad="50800" dist="38100" dir="2700000" algn="tl" rotWithShape="0">
+              <a:srgbClr val="000000">
+                <a:alpha val="43000"/>
+              </a:srgbClr>
+            </a:outerShdw>
+          </a:effectLst>
         </p:spPr>
       </p:pic>
       <p:pic>
@@ -6685,39 +6870,79 @@
         </p:blipFill>
         <p:spPr>
           <a:xfrm>
-            <a:off x="2988373" y="0"/>
+            <a:off x="2795861" y="0"/>
             <a:ext cx="3079952" cy="6882165"/>
           </a:xfrm>
           <a:prstGeom prst="rect">
             <a:avLst/>
           </a:prstGeom>
+          <a:ln w="38100" cap="sq">
+            <a:solidFill>
+              <a:srgbClr val="000000"/>
+            </a:solidFill>
+            <a:prstDash val="solid"/>
+            <a:miter lim="800000"/>
+          </a:ln>
+          <a:effectLst>
+            <a:outerShdw blurRad="50800" dist="38100" dir="2700000" algn="tl" rotWithShape="0">
+              <a:srgbClr val="000000">
+                <a:alpha val="43000"/>
+              </a:srgbClr>
+            </a:outerShdw>
+          </a:effectLst>
         </p:spPr>
       </p:pic>
-      <p:sp>
-        <p:nvSpPr>
-          <p:cNvPr id="12" name="Segnaposto contenuto 11">
-            <a:extLst>
-              <a:ext uri="{FF2B5EF4-FFF2-40B4-BE49-F238E27FC236}">
-                <a16:creationId xmlns:a16="http://schemas.microsoft.com/office/drawing/2014/main" id="{C1A467E6-525F-8DBB-6FD1-320539434028}"/>
-              </a:ext>
-            </a:extLst>
-          </p:cNvPr>
-          <p:cNvSpPr>
-            <a:spLocks noGrp="1"/>
-          </p:cNvSpPr>
+      <p:pic>
+        <p:nvPicPr>
+          <p:cNvPr id="5" name="Segnaposto contenuto 4" descr="Immagine che contiene testo, mappa, schermata, software&#10;&#10;Descrizione generata automaticamente">
+            <a:extLst>
+              <a:ext uri="{FF2B5EF4-FFF2-40B4-BE49-F238E27FC236}">
+                <a16:creationId xmlns:a16="http://schemas.microsoft.com/office/drawing/2014/main" id="{AE1EF5C6-0B57-360C-AFE2-5DAF1E7890F4}"/>
+              </a:ext>
+            </a:extLst>
+          </p:cNvPr>
+          <p:cNvPicPr>
+            <a:picLocks noGrp="1" noChangeAspect="1"/>
+          </p:cNvPicPr>
           <p:nvPr>
             <p:ph idx="1"/>
           </p:nvPr>
-        </p:nvSpPr>
-        <p:spPr/>
-        <p:txBody>
-          <a:bodyPr/>
-          <a:lstStyle/>
-          <a:p>
-            <a:endParaRPr lang="it-IT"/>
-          </a:p>
-        </p:txBody>
-      </p:sp>
+        </p:nvPicPr>
+        <p:blipFill rotWithShape="1">
+          <a:blip r:embed="rId4">
+            <a:extLst>
+              <a:ext uri="{28A0092B-C50C-407E-A947-70E740481C1C}">
+                <a14:useLocalDpi xmlns:a14="http://schemas.microsoft.com/office/drawing/2010/main" val="0"/>
+              </a:ext>
+            </a:extLst>
+          </a:blip>
+          <a:srcRect l="1" r="-66" b="2725"/>
+          <a:stretch/>
+        </p:blipFill>
+        <p:spPr>
+          <a:xfrm>
+            <a:off x="5899877" y="-1"/>
+            <a:ext cx="3180572" cy="6866571"/>
+          </a:xfrm>
+          <a:prstGeom prst="rect">
+            <a:avLst/>
+          </a:prstGeom>
+          <a:ln w="38100" cap="sq">
+            <a:solidFill>
+              <a:srgbClr val="000000"/>
+            </a:solidFill>
+            <a:prstDash val="solid"/>
+            <a:miter lim="800000"/>
+          </a:ln>
+          <a:effectLst>
+            <a:outerShdw blurRad="50800" dist="38100" dir="2700000" algn="tl" rotWithShape="0">
+              <a:srgbClr val="000000">
+                <a:alpha val="43000"/>
+              </a:srgbClr>
+            </a:outerShdw>
+          </a:effectLst>
+        </p:spPr>
+      </p:pic>
     </p:spTree>
     <p:extLst>
       <p:ext uri="{BB962C8B-B14F-4D97-AF65-F5344CB8AC3E}">

--- a/mockup/OUTDOORROMAGNA.pptx
+++ b/mockup/OUTDOORROMAGNA.pptx
@@ -6821,8 +6821,8 @@
         </p:blipFill>
         <p:spPr>
           <a:xfrm>
-            <a:off x="9100149" y="-66261"/>
-            <a:ext cx="3102746" cy="6919286"/>
+            <a:off x="9078267" y="17139"/>
+            <a:ext cx="3079952" cy="6814455"/>
           </a:xfrm>
           <a:prstGeom prst="rect">
             <a:avLst/>
@@ -6865,13 +6865,13 @@
               </a:ext>
             </a:extLst>
           </a:blip>
-          <a:srcRect b="2995"/>
+          <a:srcRect t="768" b="2995"/>
           <a:stretch/>
         </p:blipFill>
         <p:spPr>
           <a:xfrm>
-            <a:off x="2795861" y="0"/>
-            <a:ext cx="3079952" cy="6882165"/>
+            <a:off x="2795861" y="34836"/>
+            <a:ext cx="3079952" cy="6779063"/>
           </a:xfrm>
           <a:prstGeom prst="rect">
             <a:avLst/>
@@ -6916,13 +6916,13 @@
               </a:ext>
             </a:extLst>
           </a:blip>
-          <a:srcRect l="1" r="-66" b="2725"/>
+          <a:srcRect l="1" t="1443" r="-66" b="2725"/>
           <a:stretch/>
         </p:blipFill>
         <p:spPr>
           <a:xfrm>
-            <a:off x="5899877" y="-1"/>
-            <a:ext cx="3180572" cy="6866571"/>
+            <a:off x="5897695" y="26407"/>
+            <a:ext cx="3180572" cy="6808032"/>
           </a:xfrm>
           <a:prstGeom prst="rect">
             <a:avLst/>

--- a/mockup/OUTDOORROMAGNA.pptx
+++ b/mockup/OUTDOORROMAGNA.pptx
@@ -213,7 +213,7 @@
             <a:pPr rtl="0"/>
             <a:fld id="{E7626282-83BE-4B14-AA1D-E9A716F8FEB8}" type="datetime1">
               <a:rPr lang="it-IT" smtClean="0"/>
-              <a:t>28/05/2024</a:t>
+              <a:t>30/05/2024</a:t>
             </a:fld>
             <a:endParaRPr lang="en-US" dirty="0"/>
           </a:p>
@@ -383,7 +383,7 @@
             <a:pPr rtl="0"/>
             <a:fld id="{823FCBA3-AE69-44D9-84A9-153F3F9E2987}" type="datetime1">
               <a:rPr lang="it-IT" smtClean="0"/>
-              <a:t>28/05/2024</a:t>
+              <a:t>30/05/2024</a:t>
             </a:fld>
             <a:endParaRPr lang="en-US"/>
           </a:p>
@@ -903,7 +903,7 @@
             <a:pPr rtl="0"/>
             <a:fld id="{3F2AEA12-A884-495F-8D96-E2791E451670}" type="datetime1">
               <a:rPr lang="it-IT" smtClean="0"/>
-              <a:t>28/05/2024</a:t>
+              <a:t>30/05/2024</a:t>
             </a:fld>
             <a:endParaRPr lang="en-US" dirty="0"/>
           </a:p>
@@ -1099,7 +1099,7 @@
             <a:pPr rtl="0"/>
             <a:fld id="{EB574AD5-D417-4FAA-8969-2C3D2D990862}" type="datetime1">
               <a:rPr lang="it-IT" smtClean="0"/>
-              <a:t>28/05/2024</a:t>
+              <a:t>30/05/2024</a:t>
             </a:fld>
             <a:endParaRPr lang="en-US" dirty="0"/>
           </a:p>
@@ -1345,7 +1345,7 @@
             <a:pPr rtl="0"/>
             <a:fld id="{53234F22-96F1-43C5-9A84-5011A5FFAE38}" type="datetime1">
               <a:rPr lang="it-IT" smtClean="0"/>
-              <a:t>28/05/2024</a:t>
+              <a:t>30/05/2024</a:t>
             </a:fld>
             <a:endParaRPr lang="en-US" dirty="0"/>
           </a:p>
@@ -1541,7 +1541,7 @@
             <a:pPr rtl="0"/>
             <a:fld id="{925069C4-336E-40F0-85A2-25D6F0A25D32}" type="datetime1">
               <a:rPr lang="it-IT" smtClean="0"/>
-              <a:t>28/05/2024</a:t>
+              <a:t>30/05/2024</a:t>
             </a:fld>
             <a:endParaRPr lang="en-US" dirty="0"/>
           </a:p>
@@ -1918,7 +1918,7 @@
             <a:pPr rtl="0"/>
             <a:fld id="{F0F1B965-D21F-4083-9FDC-4C0868AFCE6A}" type="datetime1">
               <a:rPr lang="it-IT" smtClean="0"/>
-              <a:t>28/05/2024</a:t>
+              <a:t>30/05/2024</a:t>
             </a:fld>
             <a:endParaRPr lang="en-US" dirty="0"/>
           </a:p>
@@ -2181,7 +2181,7 @@
             <a:pPr rtl="0"/>
             <a:fld id="{D2F263AC-6BFA-4530-A45D-98F6CD76B995}" type="datetime1">
               <a:rPr lang="it-IT" smtClean="0"/>
-              <a:t>28/05/2024</a:t>
+              <a:t>30/05/2024</a:t>
             </a:fld>
             <a:endParaRPr lang="en-US" dirty="0"/>
           </a:p>
@@ -2586,7 +2586,7 @@
             <a:pPr rtl="0"/>
             <a:fld id="{285EEB9B-9A76-4838-83B5-EFB83BC3FC95}" type="datetime1">
               <a:rPr lang="it-IT" smtClean="0"/>
-              <a:t>28/05/2024</a:t>
+              <a:t>30/05/2024</a:t>
             </a:fld>
             <a:endParaRPr lang="en-US" dirty="0"/>
           </a:p>
@@ -2730,7 +2730,7 @@
             <a:pPr rtl="0"/>
             <a:fld id="{87788151-CB43-4FD7-A3FA-96D82E7273D6}" type="datetime1">
               <a:rPr lang="it-IT" smtClean="0"/>
-              <a:t>28/05/2024</a:t>
+              <a:t>30/05/2024</a:t>
             </a:fld>
             <a:endParaRPr lang="en-US" dirty="0"/>
           </a:p>
@@ -2890,7 +2890,7 @@
             <a:pPr rtl="0"/>
             <a:fld id="{0984158B-E18A-4760-AF0B-F8E1F54F95E6}" type="datetime1">
               <a:rPr lang="it-IT" smtClean="0"/>
-              <a:t>28/05/2024</a:t>
+              <a:t>30/05/2024</a:t>
             </a:fld>
             <a:endParaRPr lang="en-US" dirty="0"/>
           </a:p>
@@ -3223,7 +3223,7 @@
             <a:pPr rtl="0"/>
             <a:fld id="{4F4D0FD0-762A-4E00-B40D-E1022DE9149C}" type="datetime1">
               <a:rPr lang="it-IT" smtClean="0"/>
-              <a:t>28/05/2024</a:t>
+              <a:t>30/05/2024</a:t>
             </a:fld>
             <a:endParaRPr lang="en-US" dirty="0"/>
           </a:p>
@@ -3578,7 +3578,7 @@
             <a:pPr rtl="0"/>
             <a:fld id="{14666673-06EC-44D2-AEC3-E4C57BDDC5B7}" type="datetime1">
               <a:rPr lang="it-IT" smtClean="0"/>
-              <a:t>28/05/2024</a:t>
+              <a:t>30/05/2024</a:t>
             </a:fld>
             <a:endParaRPr lang="en-US" dirty="0"/>
           </a:p>
@@ -3842,7 +3842,7 @@
             <a:pPr rtl="0"/>
             <a:fld id="{F117DD88-DA0B-42BB-B7E2-325641850C3A}" type="datetime1">
               <a:rPr lang="it-IT" smtClean="0"/>
-              <a:t>28/05/2024</a:t>
+              <a:t>30/05/2024</a:t>
             </a:fld>
             <a:endParaRPr lang="en-US" dirty="0"/>
           </a:p>
@@ -4738,8 +4738,8 @@
         </p:nvSpPr>
         <p:spPr>
           <a:xfrm>
-            <a:off x="1097280" y="3429000"/>
-            <a:ext cx="4236720" cy="1958788"/>
+            <a:off x="1097280" y="3428999"/>
+            <a:ext cx="4236720" cy="2720009"/>
           </a:xfrm>
         </p:spPr>
         <p:txBody>
@@ -6308,8 +6308,8 @@
         </p:blipFill>
         <p:spPr>
           <a:xfrm>
-            <a:off x="6019095" y="0"/>
-            <a:ext cx="3086100" cy="6858000"/>
+            <a:off x="5913079" y="0"/>
+            <a:ext cx="3065820" cy="6858000"/>
           </a:xfrm>
           <a:prstGeom prst="rect">
             <a:avLst/>
@@ -6357,8 +6357,8 @@
         </p:blipFill>
         <p:spPr>
           <a:xfrm>
-            <a:off x="2900266" y="0"/>
-            <a:ext cx="3086100" cy="6858000"/>
+            <a:off x="2873762" y="0"/>
+            <a:ext cx="3012813" cy="6858000"/>
           </a:xfrm>
           <a:prstGeom prst="rect">
             <a:avLst/>
@@ -6381,10 +6381,10 @@
       </p:pic>
       <p:pic>
         <p:nvPicPr>
-          <p:cNvPr id="11" name="Segnaposto contenuto 10">
-            <a:extLst>
-              <a:ext uri="{FF2B5EF4-FFF2-40B4-BE49-F238E27FC236}">
-                <a16:creationId xmlns:a16="http://schemas.microsoft.com/office/drawing/2014/main" id="{50A6A867-9854-6148-B63D-82A6BA5C1A38}"/>
+          <p:cNvPr id="8" name="Segnaposto contenuto 7" descr="Immagine che contiene testo, schermata, software, Pagina Web&#10;&#10;Descrizione generata automaticamente">
+            <a:extLst>
+              <a:ext uri="{FF2B5EF4-FFF2-40B4-BE49-F238E27FC236}">
+                <a16:creationId xmlns:a16="http://schemas.microsoft.com/office/drawing/2014/main" id="{1C8DE74A-12FE-586B-F86E-87977C1EB548}"/>
               </a:ext>
             </a:extLst>
           </p:cNvPr>
@@ -6403,13 +6403,13 @@
               </a:ext>
             </a:extLst>
           </a:blip>
-          <a:srcRect b="2995"/>
+          <a:srcRect b="3050"/>
           <a:stretch/>
         </p:blipFill>
         <p:spPr>
           <a:xfrm>
-            <a:off x="9111732" y="0"/>
-            <a:ext cx="3107564" cy="6858000"/>
+            <a:off x="8978899" y="0"/>
+            <a:ext cx="3185167" cy="6858000"/>
           </a:xfrm>
           <a:prstGeom prst="rect">
             <a:avLst/>
